--- a/GlobalFeed-powerpoint.pptx
+++ b/GlobalFeed-powerpoint.pptx
@@ -7215,10 +7215,10 @@
       </p:sp>
       <p:pic>
         <p:nvPicPr>
-          <p:cNvPr id="3" name="Imagen 2">
-            <a:extLst>
-              <a:ext uri="{FF2B5EF4-FFF2-40B4-BE49-F238E27FC236}">
-                <a16:creationId xmlns:a16="http://schemas.microsoft.com/office/drawing/2014/main" id="{3DE329B4-F9EE-6FE8-B949-C8CD4DD83036}"/>
+          <p:cNvPr id="6" name="Imagen 5">
+            <a:extLst>
+              <a:ext uri="{FF2B5EF4-FFF2-40B4-BE49-F238E27FC236}">
+                <a16:creationId xmlns:a16="http://schemas.microsoft.com/office/drawing/2014/main" id="{D3A1A5AD-76C6-B33C-8318-60975E209923}"/>
               </a:ext>
             </a:extLst>
           </p:cNvPr>
@@ -7235,8 +7235,8 @@
         </p:blipFill>
         <p:spPr>
           <a:xfrm>
-            <a:off x="0" y="2864"/>
-            <a:ext cx="3353091" cy="597460"/>
+            <a:off x="5521787" y="1015999"/>
+            <a:ext cx="4040905" cy="1812196"/>
           </a:xfrm>
           <a:prstGeom prst="rect">
             <a:avLst/>
@@ -7245,10 +7245,10 @@
       </p:pic>
       <p:pic>
         <p:nvPicPr>
-          <p:cNvPr id="5" name="Imagen 4">
-            <a:extLst>
-              <a:ext uri="{FF2B5EF4-FFF2-40B4-BE49-F238E27FC236}">
-                <a16:creationId xmlns:a16="http://schemas.microsoft.com/office/drawing/2014/main" id="{E473E183-39F3-9E6A-333F-51CE93FA9101}"/>
+          <p:cNvPr id="8" name="Imagen 7">
+            <a:extLst>
+              <a:ext uri="{FF2B5EF4-FFF2-40B4-BE49-F238E27FC236}">
+                <a16:creationId xmlns:a16="http://schemas.microsoft.com/office/drawing/2014/main" id="{A54DED8B-4E4F-980E-EE3E-C4E3188AB649}"/>
               </a:ext>
             </a:extLst>
           </p:cNvPr>
@@ -7265,8 +7265,8 @@
         </p:blipFill>
         <p:spPr>
           <a:xfrm>
-            <a:off x="5791406" y="1923294"/>
-            <a:ext cx="4639322" cy="3248478"/>
+            <a:off x="5101772" y="3429000"/>
+            <a:ext cx="4880937" cy="1460718"/>
           </a:xfrm>
           <a:prstGeom prst="rect">
             <a:avLst/>
